--- a/docs/diagrams/ListReservationsSequenceDiagram.pptx
+++ b/docs/diagrams/ListReservationsSequenceDiagram.pptx
@@ -3344,13 +3344,8 @@
             <a:pPr algn="ctr"/>
             <a:r>
               <a:rPr lang="en-US" sz="2800" dirty="0"/>
-              <a:t>:</a:t>
-            </a:r>
-            <a:r>
-              <a:rPr lang="en-US" sz="2800" dirty="0" err="1"/>
-              <a:t>LogicManager</a:t>
-            </a:r>
-            <a:endParaRPr lang="en-US" sz="2800" dirty="0"/>
+              <a:t>:LogicManager</a:t>
+            </a:r>
           </a:p>
         </p:txBody>
       </p:sp>
@@ -3410,7 +3405,7 @@
         <p:spPr>
           <a:xfrm>
             <a:off x="15903451" y="4602076"/>
-            <a:ext cx="421539" cy="9015088"/>
+            <a:ext cx="421539" cy="8914807"/>
           </a:xfrm>
           <a:prstGeom prst="rect">
             <a:avLst/>
@@ -3559,20 +3554,12 @@
           <a:lstStyle/>
           <a:p>
             <a:r>
-              <a:rPr lang="en-US" sz="2800" dirty="0" err="1">
-                <a:solidFill>
-                  <a:schemeClr val="accent1"/>
-                </a:solidFill>
-              </a:rPr>
-              <a:t>parseCommand</a:t>
-            </a:r>
-            <a:r>
               <a:rPr lang="en-US" sz="2800" dirty="0">
                 <a:solidFill>
                   <a:schemeClr val="accent1"/>
                 </a:solidFill>
               </a:rPr>
-              <a:t>(“list-reservations”)</a:t>
+              <a:t>parseCommand(“list-reservations”)</a:t>
             </a:r>
           </a:p>
         </p:txBody>
@@ -3626,13 +3613,8 @@
             <a:pPr algn="ctr"/>
             <a:r>
               <a:rPr lang="en-US" sz="2800" dirty="0"/>
-              <a:t>:Restaurant </a:t>
-            </a:r>
-            <a:r>
-              <a:rPr lang="en-US" sz="2800" dirty="0" err="1"/>
-              <a:t>BookParser</a:t>
-            </a:r>
-            <a:endParaRPr lang="en-US" sz="2800" dirty="0"/>
+              <a:t>:Restaurant BookParser</a:t>
+            </a:r>
           </a:p>
         </p:txBody>
       </p:sp>
@@ -3847,20 +3829,12 @@
           <a:lstStyle/>
           <a:p>
             <a:r>
-              <a:rPr lang="en-US" sz="2800" dirty="0" err="1">
-                <a:solidFill>
-                  <a:schemeClr val="accent1"/>
-                </a:solidFill>
-              </a:rPr>
-              <a:t>ListReservationsCommand</a:t>
-            </a:r>
-            <a:r>
               <a:rPr lang="en-US" sz="2800" dirty="0">
                 <a:solidFill>
                   <a:schemeClr val="accent1"/>
                 </a:solidFill>
               </a:rPr>
-              <a:t>()</a:t>
+              <a:t>ListReservationsCommand()</a:t>
             </a:r>
           </a:p>
         </p:txBody>
@@ -4683,20 +4657,12 @@
           <a:lstStyle/>
           <a:p>
             <a:r>
-              <a:rPr lang="en-US" sz="2800" dirty="0" err="1">
-                <a:solidFill>
-                  <a:srgbClr val="017370"/>
-                </a:solidFill>
-              </a:rPr>
-              <a:t>DisplayReservationListRequestEvent</a:t>
-            </a:r>
-            <a:r>
               <a:rPr lang="en-US" sz="2800" dirty="0">
                 <a:solidFill>
                   <a:srgbClr val="017370"/>
                 </a:solidFill>
               </a:rPr>
-              <a:t>()</a:t>
+              <a:t>DisplayReservationListRequestEvent()</a:t>
             </a:r>
           </a:p>
         </p:txBody>
@@ -4921,35 +4887,22 @@
           <a:lstStyle/>
           <a:p>
             <a:r>
-              <a:rPr lang="en-US" sz="2800" dirty="0" err="1">
+              <a:rPr lang="en-US" sz="2800" dirty="0">
                 <a:solidFill>
                   <a:srgbClr val="00B050"/>
                 </a:solidFill>
               </a:rPr>
               <a:t>handleDisplay</a:t>
             </a:r>
-            <a:endParaRPr lang="en-US" sz="2800" dirty="0">
-              <a:solidFill>
-                <a:srgbClr val="00B050"/>
-              </a:solidFill>
-            </a:endParaRPr>
-          </a:p>
-          <a:p>
-            <a:r>
-              <a:rPr lang="en-US" sz="2800" dirty="0" err="1">
-                <a:solidFill>
-                  <a:srgbClr val="00B050"/>
-                </a:solidFill>
-              </a:rPr>
-              <a:t>ReservationListRequestEvent</a:t>
-            </a:r>
+          </a:p>
+          <a:p>
             <a:r>
               <a:rPr lang="en-US" sz="2800" dirty="0">
                 <a:solidFill>
                   <a:srgbClr val="00B050"/>
                 </a:solidFill>
               </a:rPr>
-              <a:t>(e)</a:t>
+              <a:t>ReservationListRequestEvent(e)</a:t>
             </a:r>
           </a:p>
         </p:txBody>

--- a/docs/diagrams/ListReservationsSequenceDiagram.pptx
+++ b/docs/diagrams/ListReservationsSequenceDiagram.pptx
@@ -243,7 +243,7 @@
           <a:p>
             <a:fld id="{4D1B3380-6078-4607-8330-76A9CDBCE97E}" type="datetimeFigureOut">
               <a:rPr lang="en-US" smtClean="0"/>
-              <a:t>10-Nov-18</a:t>
+              <a:t>11-Nov-18</a:t>
             </a:fld>
             <a:endParaRPr lang="en-US"/>
           </a:p>
@@ -413,7 +413,7 @@
           <a:p>
             <a:fld id="{4D1B3380-6078-4607-8330-76A9CDBCE97E}" type="datetimeFigureOut">
               <a:rPr lang="en-US" smtClean="0"/>
-              <a:t>10-Nov-18</a:t>
+              <a:t>11-Nov-18</a:t>
             </a:fld>
             <a:endParaRPr lang="en-US"/>
           </a:p>
@@ -593,7 +593,7 @@
           <a:p>
             <a:fld id="{4D1B3380-6078-4607-8330-76A9CDBCE97E}" type="datetimeFigureOut">
               <a:rPr lang="en-US" smtClean="0"/>
-              <a:t>10-Nov-18</a:t>
+              <a:t>11-Nov-18</a:t>
             </a:fld>
             <a:endParaRPr lang="en-US"/>
           </a:p>
@@ -763,7 +763,7 @@
           <a:p>
             <a:fld id="{4D1B3380-6078-4607-8330-76A9CDBCE97E}" type="datetimeFigureOut">
               <a:rPr lang="en-US" smtClean="0"/>
-              <a:t>10-Nov-18</a:t>
+              <a:t>11-Nov-18</a:t>
             </a:fld>
             <a:endParaRPr lang="en-US"/>
           </a:p>
@@ -1009,7 +1009,7 @@
           <a:p>
             <a:fld id="{4D1B3380-6078-4607-8330-76A9CDBCE97E}" type="datetimeFigureOut">
               <a:rPr lang="en-US" smtClean="0"/>
-              <a:t>10-Nov-18</a:t>
+              <a:t>11-Nov-18</a:t>
             </a:fld>
             <a:endParaRPr lang="en-US"/>
           </a:p>
@@ -1241,7 +1241,7 @@
           <a:p>
             <a:fld id="{4D1B3380-6078-4607-8330-76A9CDBCE97E}" type="datetimeFigureOut">
               <a:rPr lang="en-US" smtClean="0"/>
-              <a:t>10-Nov-18</a:t>
+              <a:t>11-Nov-18</a:t>
             </a:fld>
             <a:endParaRPr lang="en-US"/>
           </a:p>
@@ -1608,7 +1608,7 @@
           <a:p>
             <a:fld id="{4D1B3380-6078-4607-8330-76A9CDBCE97E}" type="datetimeFigureOut">
               <a:rPr lang="en-US" smtClean="0"/>
-              <a:t>10-Nov-18</a:t>
+              <a:t>11-Nov-18</a:t>
             </a:fld>
             <a:endParaRPr lang="en-US"/>
           </a:p>
@@ -1726,7 +1726,7 @@
           <a:p>
             <a:fld id="{4D1B3380-6078-4607-8330-76A9CDBCE97E}" type="datetimeFigureOut">
               <a:rPr lang="en-US" smtClean="0"/>
-              <a:t>10-Nov-18</a:t>
+              <a:t>11-Nov-18</a:t>
             </a:fld>
             <a:endParaRPr lang="en-US"/>
           </a:p>
@@ -1821,7 +1821,7 @@
           <a:p>
             <a:fld id="{4D1B3380-6078-4607-8330-76A9CDBCE97E}" type="datetimeFigureOut">
               <a:rPr lang="en-US" smtClean="0"/>
-              <a:t>10-Nov-18</a:t>
+              <a:t>11-Nov-18</a:t>
             </a:fld>
             <a:endParaRPr lang="en-US"/>
           </a:p>
@@ -2098,7 +2098,7 @@
           <a:p>
             <a:fld id="{4D1B3380-6078-4607-8330-76A9CDBCE97E}" type="datetimeFigureOut">
               <a:rPr lang="en-US" smtClean="0"/>
-              <a:t>10-Nov-18</a:t>
+              <a:t>11-Nov-18</a:t>
             </a:fld>
             <a:endParaRPr lang="en-US"/>
           </a:p>
@@ -2355,7 +2355,7 @@
           <a:p>
             <a:fld id="{4D1B3380-6078-4607-8330-76A9CDBCE97E}" type="datetimeFigureOut">
               <a:rPr lang="en-US" smtClean="0"/>
-              <a:t>10-Nov-18</a:t>
+              <a:t>11-Nov-18</a:t>
             </a:fld>
             <a:endParaRPr lang="en-US"/>
           </a:p>
@@ -2568,7 +2568,7 @@
           <a:p>
             <a:fld id="{4D1B3380-6078-4607-8330-76A9CDBCE97E}" type="datetimeFigureOut">
               <a:rPr lang="en-US" smtClean="0"/>
-              <a:t>10-Nov-18</a:t>
+              <a:t>11-Nov-18</a:t>
             </a:fld>
             <a:endParaRPr lang="en-US"/>
           </a:p>
@@ -4420,13 +4420,8 @@
             <a:pPr algn="ctr"/>
             <a:r>
               <a:rPr lang="en-US" sz="2800" dirty="0"/>
-              <a:t>:</a:t>
-            </a:r>
-            <a:r>
-              <a:rPr lang="en-US" sz="2800" dirty="0" err="1"/>
-              <a:t>EventsCenter</a:t>
-            </a:r>
-            <a:endParaRPr lang="en-US" sz="2800" dirty="0"/>
+              <a:t>:EventsCenter</a:t>
+            </a:r>
           </a:p>
         </p:txBody>
       </p:sp>
@@ -4962,13 +4957,8 @@
             <a:pPr algn="ctr"/>
             <a:r>
               <a:rPr lang="en-US" sz="2800" dirty="0"/>
-              <a:t>:</a:t>
-            </a:r>
-            <a:r>
-              <a:rPr lang="en-US" sz="2800" dirty="0" err="1"/>
-              <a:t>MainWindow</a:t>
-            </a:r>
-            <a:endParaRPr lang="en-US" sz="2800" dirty="0"/>
+              <a:t>:MainWindow</a:t>
+            </a:r>
           </a:p>
         </p:txBody>
       </p:sp>
